--- a/doc/Presentation.pptx
+++ b/doc/Presentation.pptx
@@ -5632,15 +5632,7 @@
                   <a:ea typeface="微软雅黑" panose="020B0503020204020204" pitchFamily="34" charset="-122"/>
                   <a:cs typeface="Times New Roman" panose="02020603050405020304" pitchFamily="18" charset="0"/>
                 </a:rPr>
-                <a:t>so </a:t>
-              </a:r>
-              <a:r>
-                <a:rPr lang="en-US" altLang="zh-CN" sz="2000" b="1" dirty="0" smtClean="0">
-                  <a:latin typeface="Times New Roman" panose="02020603050405020304" pitchFamily="18" charset="0"/>
-                  <a:ea typeface="微软雅黑" panose="020B0503020204020204" pitchFamily="34" charset="-122"/>
-                  <a:cs typeface="Times New Roman" panose="02020603050405020304" pitchFamily="18" charset="0"/>
-                </a:rPr>
-                <a:t>easy!</a:t>
+                <a:t>so easy!</a:t>
               </a:r>
               <a:r>
                 <a:rPr lang="zh-CN" altLang="en-US" sz="2000" b="1" dirty="0" smtClean="0">
@@ -5688,23 +5680,7 @@
                   <a:ea typeface="微软雅黑" panose="020B0503020204020204" pitchFamily="34" charset="-122"/>
                   <a:cs typeface="Times New Roman" panose="02020603050405020304" pitchFamily="18" charset="0"/>
                 </a:rPr>
-                <a:t>输入输</a:t>
-              </a:r>
-              <a:r>
-                <a:rPr lang="zh-CN" altLang="en-US" sz="2000" b="1" dirty="0" smtClean="0">
-                  <a:latin typeface="Times New Roman" panose="02020603050405020304" pitchFamily="18" charset="0"/>
-                  <a:ea typeface="微软雅黑" panose="020B0503020204020204" pitchFamily="34" charset="-122"/>
-                  <a:cs typeface="Times New Roman" panose="02020603050405020304" pitchFamily="18" charset="0"/>
-                </a:rPr>
-                <a:t>出报</a:t>
-              </a:r>
-              <a:r>
-                <a:rPr lang="zh-CN" altLang="en-US" sz="2000" b="1" dirty="0" smtClean="0">
-                  <a:latin typeface="Times New Roman" panose="02020603050405020304" pitchFamily="18" charset="0"/>
-                  <a:ea typeface="微软雅黑" panose="020B0503020204020204" pitchFamily="34" charset="-122"/>
-                  <a:cs typeface="Times New Roman" panose="02020603050405020304" pitchFamily="18" charset="0"/>
-                </a:rPr>
-                <a:t>告</a:t>
+                <a:t>输入输出报告</a:t>
               </a:r>
               <a:endParaRPr lang="zh-CN" altLang="en-US" sz="2000" b="1" dirty="0">
                 <a:latin typeface="Times New Roman" panose="02020603050405020304" pitchFamily="18" charset="0"/>
@@ -7415,7 +7391,7 @@
       </p:cxnSp>
       <p:pic>
         <p:nvPicPr>
-          <p:cNvPr id="3" name="图片 2"/>
+          <p:cNvPr id="2" name="图片 1"/>
           <p:cNvPicPr>
             <a:picLocks noChangeAspect="1"/>
           </p:cNvPicPr>
@@ -7429,8 +7405,8 @@
         </p:blipFill>
         <p:spPr>
           <a:xfrm>
-            <a:off x="2287410" y="1497964"/>
-            <a:ext cx="7152923" cy="4995057"/>
+            <a:off x="2616889" y="1358170"/>
+            <a:ext cx="6958222" cy="5271810"/>
           </a:xfrm>
           <a:prstGeom prst="rect">
             <a:avLst/>
@@ -7453,7 +7429,129 @@
   <p:timing>
     <p:tnLst>
       <p:par>
-        <p:cTn id="1" dur="indefinite" restart="never" nodeType="tmRoot"/>
+        <p:cTn id="1" dur="indefinite" restart="never" nodeType="tmRoot">
+          <p:childTnLst>
+            <p:seq concurrent="1" nextAc="seek">
+              <p:cTn id="2" dur="indefinite" nodeType="mainSeq">
+                <p:childTnLst>
+                  <p:par>
+                    <p:cTn id="3" fill="hold">
+                      <p:stCondLst>
+                        <p:cond delay="indefinite"/>
+                      </p:stCondLst>
+                      <p:childTnLst>
+                        <p:par>
+                          <p:cTn id="4" fill="hold">
+                            <p:stCondLst>
+                              <p:cond delay="0"/>
+                            </p:stCondLst>
+                            <p:childTnLst>
+                              <p:par>
+                                <p:cTn id="5" presetID="42" presetClass="entr" presetSubtype="0" fill="hold" nodeType="clickEffect">
+                                  <p:stCondLst>
+                                    <p:cond delay="0"/>
+                                  </p:stCondLst>
+                                  <p:childTnLst>
+                                    <p:set>
+                                      <p:cBhvr>
+                                        <p:cTn id="6" dur="1" fill="hold">
+                                          <p:stCondLst>
+                                            <p:cond delay="0"/>
+                                          </p:stCondLst>
+                                        </p:cTn>
+                                        <p:tgtEl>
+                                          <p:spTgt spid="2"/>
+                                        </p:tgtEl>
+                                        <p:attrNameLst>
+                                          <p:attrName>style.visibility</p:attrName>
+                                        </p:attrNameLst>
+                                      </p:cBhvr>
+                                      <p:to>
+                                        <p:strVal val="visible"/>
+                                      </p:to>
+                                    </p:set>
+                                    <p:animEffect transition="in" filter="fade">
+                                      <p:cBhvr>
+                                        <p:cTn id="7" dur="1000"/>
+                                        <p:tgtEl>
+                                          <p:spTgt spid="2"/>
+                                        </p:tgtEl>
+                                      </p:cBhvr>
+                                    </p:animEffect>
+                                    <p:anim calcmode="lin" valueType="num">
+                                      <p:cBhvr>
+                                        <p:cTn id="8" dur="1000" fill="hold"/>
+                                        <p:tgtEl>
+                                          <p:spTgt spid="2"/>
+                                        </p:tgtEl>
+                                        <p:attrNameLst>
+                                          <p:attrName>ppt_x</p:attrName>
+                                        </p:attrNameLst>
+                                      </p:cBhvr>
+                                      <p:tavLst>
+                                        <p:tav tm="0">
+                                          <p:val>
+                                            <p:strVal val="#ppt_x"/>
+                                          </p:val>
+                                        </p:tav>
+                                        <p:tav tm="100000">
+                                          <p:val>
+                                            <p:strVal val="#ppt_x"/>
+                                          </p:val>
+                                        </p:tav>
+                                      </p:tavLst>
+                                    </p:anim>
+                                    <p:anim calcmode="lin" valueType="num">
+                                      <p:cBhvr>
+                                        <p:cTn id="9" dur="1000" fill="hold"/>
+                                        <p:tgtEl>
+                                          <p:spTgt spid="2"/>
+                                        </p:tgtEl>
+                                        <p:attrNameLst>
+                                          <p:attrName>ppt_y</p:attrName>
+                                        </p:attrNameLst>
+                                      </p:cBhvr>
+                                      <p:tavLst>
+                                        <p:tav tm="0">
+                                          <p:val>
+                                            <p:strVal val="#ppt_y+.1"/>
+                                          </p:val>
+                                        </p:tav>
+                                        <p:tav tm="100000">
+                                          <p:val>
+                                            <p:strVal val="#ppt_y"/>
+                                          </p:val>
+                                        </p:tav>
+                                      </p:tavLst>
+                                    </p:anim>
+                                  </p:childTnLst>
+                                </p:cTn>
+                              </p:par>
+                            </p:childTnLst>
+                          </p:cTn>
+                        </p:par>
+                      </p:childTnLst>
+                    </p:cTn>
+                  </p:par>
+                </p:childTnLst>
+              </p:cTn>
+              <p:prevCondLst>
+                <p:cond evt="onPrev" delay="0">
+                  <p:tgtEl>
+                    <p:sldTgt/>
+                  </p:tgtEl>
+                </p:cond>
+              </p:prevCondLst>
+              <p:nextCondLst>
+                <p:cond evt="onNext" delay="0">
+                  <p:tgtEl>
+                    <p:sldTgt/>
+                  </p:tgtEl>
+                </p:cond>
+              </p:nextCondLst>
+            </p:seq>
+          </p:childTnLst>
+        </p:cTn>
       </p:par>
     </p:tnLst>
   </p:timing>
@@ -7929,11 +8027,6 @@
                 </a:rPr>
                 <a:t>跳转</a:t>
               </a:r>
-              <a:endParaRPr lang="zh-CN" altLang="en-US" sz="2400" b="1" dirty="0">
-                <a:latin typeface="Times New Roman" panose="02020603050405020304" pitchFamily="18" charset="0"/>
-                <a:ea typeface="微软雅黑" panose="020B0503020204020204" pitchFamily="34" charset="-122"/>
-                <a:cs typeface="Times New Roman" panose="02020603050405020304" pitchFamily="18" charset="0"/>
-              </a:endParaRPr>
             </a:p>
           </p:txBody>
         </p:sp>
@@ -8010,23 +8103,7 @@
                   <a:ea typeface="微软雅黑" panose="020B0503020204020204" pitchFamily="34" charset="-122"/>
                   <a:cs typeface="Times New Roman" panose="02020603050405020304" pitchFamily="18" charset="0"/>
                 </a:rPr>
-                <a:t>语句</a:t>
-              </a:r>
-              <a:r>
-                <a:rPr lang="zh-CN" altLang="en-US" sz="2400" b="1" dirty="0">
-                  <a:latin typeface="Times New Roman" panose="02020603050405020304" pitchFamily="18" charset="0"/>
-                  <a:ea typeface="微软雅黑" panose="020B0503020204020204" pitchFamily="34" charset="-122"/>
-                  <a:cs typeface="Times New Roman" panose="02020603050405020304" pitchFamily="18" charset="0"/>
-                </a:rPr>
-                <a:t>块作</a:t>
-              </a:r>
-              <a:r>
-                <a:rPr lang="zh-CN" altLang="en-US" sz="2400" b="1" dirty="0">
-                  <a:latin typeface="Times New Roman" panose="02020603050405020304" pitchFamily="18" charset="0"/>
-                  <a:ea typeface="微软雅黑" panose="020B0503020204020204" pitchFamily="34" charset="-122"/>
-                  <a:cs typeface="Times New Roman" panose="02020603050405020304" pitchFamily="18" charset="0"/>
-                </a:rPr>
-                <a:t>用域</a:t>
+                <a:t>语句块作用域</a:t>
               </a:r>
             </a:p>
           </p:txBody>
@@ -8224,7 +8301,426 @@
   <p:timing>
     <p:tnLst>
       <p:par>
-        <p:cTn id="1" dur="indefinite" restart="never" nodeType="tmRoot"/>
+        <p:cTn id="1" dur="indefinite" restart="never" nodeType="tmRoot">
+          <p:childTnLst>
+            <p:seq concurrent="1" nextAc="seek">
+              <p:cTn id="2" dur="indefinite" nodeType="mainSeq">
+                <p:childTnLst>
+                  <p:par>
+                    <p:cTn id="3" fill="hold">
+                      <p:stCondLst>
+                        <p:cond delay="indefinite"/>
+                      </p:stCondLst>
+                      <p:childTnLst>
+                        <p:par>
+                          <p:cTn id="4" fill="hold">
+                            <p:stCondLst>
+                              <p:cond delay="0"/>
+                            </p:stCondLst>
+                            <p:childTnLst>
+                              <p:par>
+                                <p:cTn id="5" presetID="42" presetClass="entr" presetSubtype="0" fill="hold" nodeType="clickEffect">
+                                  <p:stCondLst>
+                                    <p:cond delay="0"/>
+                                  </p:stCondLst>
+                                  <p:childTnLst>
+                                    <p:set>
+                                      <p:cBhvr>
+                                        <p:cTn id="6" dur="1" fill="hold">
+                                          <p:stCondLst>
+                                            <p:cond delay="0"/>
+                                          </p:stCondLst>
+                                        </p:cTn>
+                                        <p:tgtEl>
+                                          <p:spTgt spid="18"/>
+                                        </p:tgtEl>
+                                        <p:attrNameLst>
+                                          <p:attrName>style.visibility</p:attrName>
+                                        </p:attrNameLst>
+                                      </p:cBhvr>
+                                      <p:to>
+                                        <p:strVal val="visible"/>
+                                      </p:to>
+                                    </p:set>
+                                    <p:animEffect transition="in" filter="fade">
+                                      <p:cBhvr>
+                                        <p:cTn id="7" dur="1000"/>
+                                        <p:tgtEl>
+                                          <p:spTgt spid="18"/>
+                                        </p:tgtEl>
+                                      </p:cBhvr>
+                                    </p:animEffect>
+                                    <p:anim calcmode="lin" valueType="num">
+                                      <p:cBhvr>
+                                        <p:cTn id="8" dur="1000" fill="hold"/>
+                                        <p:tgtEl>
+                                          <p:spTgt spid="18"/>
+                                        </p:tgtEl>
+                                        <p:attrNameLst>
+                                          <p:attrName>ppt_x</p:attrName>
+                                        </p:attrNameLst>
+                                      </p:cBhvr>
+                                      <p:tavLst>
+                                        <p:tav tm="0">
+                                          <p:val>
+                                            <p:strVal val="#ppt_x"/>
+                                          </p:val>
+                                        </p:tav>
+                                        <p:tav tm="100000">
+                                          <p:val>
+                                            <p:strVal val="#ppt_x"/>
+                                          </p:val>
+                                        </p:tav>
+                                      </p:tavLst>
+                                    </p:anim>
+                                    <p:anim calcmode="lin" valueType="num">
+                                      <p:cBhvr>
+                                        <p:cTn id="9" dur="1000" fill="hold"/>
+                                        <p:tgtEl>
+                                          <p:spTgt spid="18"/>
+                                        </p:tgtEl>
+                                        <p:attrNameLst>
+                                          <p:attrName>ppt_y</p:attrName>
+                                        </p:attrNameLst>
+                                      </p:cBhvr>
+                                      <p:tavLst>
+                                        <p:tav tm="0">
+                                          <p:val>
+                                            <p:strVal val="#ppt_y+.1"/>
+                                          </p:val>
+                                        </p:tav>
+                                        <p:tav tm="100000">
+                                          <p:val>
+                                            <p:strVal val="#ppt_y"/>
+                                          </p:val>
+                                        </p:tav>
+                                      </p:tavLst>
+                                    </p:anim>
+                                  </p:childTnLst>
+                                </p:cTn>
+                              </p:par>
+                            </p:childTnLst>
+                          </p:cTn>
+                        </p:par>
+                      </p:childTnLst>
+                    </p:cTn>
+                  </p:par>
+                  <p:par>
+                    <p:cTn id="10" fill="hold">
+                      <p:stCondLst>
+                        <p:cond delay="indefinite"/>
+                      </p:stCondLst>
+                      <p:childTnLst>
+                        <p:par>
+                          <p:cTn id="11" fill="hold">
+                            <p:stCondLst>
+                              <p:cond delay="0"/>
+                            </p:stCondLst>
+                            <p:childTnLst>
+                              <p:par>
+                                <p:cTn id="12" presetID="42" presetClass="entr" presetSubtype="0" fill="hold" nodeType="clickEffect">
+                                  <p:stCondLst>
+                                    <p:cond delay="0"/>
+                                  </p:stCondLst>
+                                  <p:childTnLst>
+                                    <p:set>
+                                      <p:cBhvr>
+                                        <p:cTn id="13" dur="1" fill="hold">
+                                          <p:stCondLst>
+                                            <p:cond delay="0"/>
+                                          </p:stCondLst>
+                                        </p:cTn>
+                                        <p:tgtEl>
+                                          <p:spTgt spid="19"/>
+                                        </p:tgtEl>
+                                        <p:attrNameLst>
+                                          <p:attrName>style.visibility</p:attrName>
+                                        </p:attrNameLst>
+                                      </p:cBhvr>
+                                      <p:to>
+                                        <p:strVal val="visible"/>
+                                      </p:to>
+                                    </p:set>
+                                    <p:animEffect transition="in" filter="fade">
+                                      <p:cBhvr>
+                                        <p:cTn id="14" dur="1000"/>
+                                        <p:tgtEl>
+                                          <p:spTgt spid="19"/>
+                                        </p:tgtEl>
+                                      </p:cBhvr>
+                                    </p:animEffect>
+                                    <p:anim calcmode="lin" valueType="num">
+                                      <p:cBhvr>
+                                        <p:cTn id="15" dur="1000" fill="hold"/>
+                                        <p:tgtEl>
+                                          <p:spTgt spid="19"/>
+                                        </p:tgtEl>
+                                        <p:attrNameLst>
+                                          <p:attrName>ppt_x</p:attrName>
+                                        </p:attrNameLst>
+                                      </p:cBhvr>
+                                      <p:tavLst>
+                                        <p:tav tm="0">
+                                          <p:val>
+                                            <p:strVal val="#ppt_x"/>
+                                          </p:val>
+                                        </p:tav>
+                                        <p:tav tm="100000">
+                                          <p:val>
+                                            <p:strVal val="#ppt_x"/>
+                                          </p:val>
+                                        </p:tav>
+                                      </p:tavLst>
+                                    </p:anim>
+                                    <p:anim calcmode="lin" valueType="num">
+                                      <p:cBhvr>
+                                        <p:cTn id="16" dur="1000" fill="hold"/>
+                                        <p:tgtEl>
+                                          <p:spTgt spid="19"/>
+                                        </p:tgtEl>
+                                        <p:attrNameLst>
+                                          <p:attrName>ppt_y</p:attrName>
+                                        </p:attrNameLst>
+                                      </p:cBhvr>
+                                      <p:tavLst>
+                                        <p:tav tm="0">
+                                          <p:val>
+                                            <p:strVal val="#ppt_y+.1"/>
+                                          </p:val>
+                                        </p:tav>
+                                        <p:tav tm="100000">
+                                          <p:val>
+                                            <p:strVal val="#ppt_y"/>
+                                          </p:val>
+                                        </p:tav>
+                                      </p:tavLst>
+                                    </p:anim>
+                                  </p:childTnLst>
+                                </p:cTn>
+                              </p:par>
+                            </p:childTnLst>
+                          </p:cTn>
+                        </p:par>
+                      </p:childTnLst>
+                    </p:cTn>
+                  </p:par>
+                  <p:par>
+                    <p:cTn id="17" fill="hold">
+                      <p:stCondLst>
+                        <p:cond delay="indefinite"/>
+                      </p:stCondLst>
+                      <p:childTnLst>
+                        <p:par>
+                          <p:cTn id="18" fill="hold">
+                            <p:stCondLst>
+                              <p:cond delay="0"/>
+                            </p:stCondLst>
+                            <p:childTnLst>
+                              <p:par>
+                                <p:cTn id="19" presetID="42" presetClass="entr" presetSubtype="0" fill="hold" nodeType="clickEffect">
+                                  <p:stCondLst>
+                                    <p:cond delay="0"/>
+                                  </p:stCondLst>
+                                  <p:childTnLst>
+                                    <p:set>
+                                      <p:cBhvr>
+                                        <p:cTn id="20" dur="1" fill="hold">
+                                          <p:stCondLst>
+                                            <p:cond delay="0"/>
+                                          </p:stCondLst>
+                                        </p:cTn>
+                                        <p:tgtEl>
+                                          <p:spTgt spid="21"/>
+                                        </p:tgtEl>
+                                        <p:attrNameLst>
+                                          <p:attrName>style.visibility</p:attrName>
+                                        </p:attrNameLst>
+                                      </p:cBhvr>
+                                      <p:to>
+                                        <p:strVal val="visible"/>
+                                      </p:to>
+                                    </p:set>
+                                    <p:animEffect transition="in" filter="fade">
+                                      <p:cBhvr>
+                                        <p:cTn id="21" dur="1000"/>
+                                        <p:tgtEl>
+                                          <p:spTgt spid="21"/>
+                                        </p:tgtEl>
+                                      </p:cBhvr>
+                                    </p:animEffect>
+                                    <p:anim calcmode="lin" valueType="num">
+                                      <p:cBhvr>
+                                        <p:cTn id="22" dur="1000" fill="hold"/>
+                                        <p:tgtEl>
+                                          <p:spTgt spid="21"/>
+                                        </p:tgtEl>
+                                        <p:attrNameLst>
+                                          <p:attrName>ppt_x</p:attrName>
+                                        </p:attrNameLst>
+                                      </p:cBhvr>
+                                      <p:tavLst>
+                                        <p:tav tm="0">
+                                          <p:val>
+                                            <p:strVal val="#ppt_x"/>
+                                          </p:val>
+                                        </p:tav>
+                                        <p:tav tm="100000">
+                                          <p:val>
+                                            <p:strVal val="#ppt_x"/>
+                                          </p:val>
+                                        </p:tav>
+                                      </p:tavLst>
+                                    </p:anim>
+                                    <p:anim calcmode="lin" valueType="num">
+                                      <p:cBhvr>
+                                        <p:cTn id="23" dur="1000" fill="hold"/>
+                                        <p:tgtEl>
+                                          <p:spTgt spid="21"/>
+                                        </p:tgtEl>
+                                        <p:attrNameLst>
+                                          <p:attrName>ppt_y</p:attrName>
+                                        </p:attrNameLst>
+                                      </p:cBhvr>
+                                      <p:tavLst>
+                                        <p:tav tm="0">
+                                          <p:val>
+                                            <p:strVal val="#ppt_y+.1"/>
+                                          </p:val>
+                                        </p:tav>
+                                        <p:tav tm="100000">
+                                          <p:val>
+                                            <p:strVal val="#ppt_y"/>
+                                          </p:val>
+                                        </p:tav>
+                                      </p:tavLst>
+                                    </p:anim>
+                                  </p:childTnLst>
+                                </p:cTn>
+                              </p:par>
+                            </p:childTnLst>
+                          </p:cTn>
+                        </p:par>
+                      </p:childTnLst>
+                    </p:cTn>
+                  </p:par>
+                  <p:par>
+                    <p:cTn id="24" fill="hold">
+                      <p:stCondLst>
+                        <p:cond delay="indefinite"/>
+                      </p:stCondLst>
+                      <p:childTnLst>
+                        <p:par>
+                          <p:cTn id="25" fill="hold">
+                            <p:stCondLst>
+                              <p:cond delay="0"/>
+                            </p:stCondLst>
+                            <p:childTnLst>
+                              <p:par>
+                                <p:cTn id="26" presetID="42" presetClass="entr" presetSubtype="0" fill="hold" nodeType="clickEffect">
+                                  <p:stCondLst>
+                                    <p:cond delay="0"/>
+                                  </p:stCondLst>
+                                  <p:childTnLst>
+                                    <p:set>
+                                      <p:cBhvr>
+                                        <p:cTn id="27" dur="1" fill="hold">
+                                          <p:stCondLst>
+                                            <p:cond delay="0"/>
+                                          </p:stCondLst>
+                                        </p:cTn>
+                                        <p:tgtEl>
+                                          <p:spTgt spid="20"/>
+                                        </p:tgtEl>
+                                        <p:attrNameLst>
+                                          <p:attrName>style.visibility</p:attrName>
+                                        </p:attrNameLst>
+                                      </p:cBhvr>
+                                      <p:to>
+                                        <p:strVal val="visible"/>
+                                      </p:to>
+                                    </p:set>
+                                    <p:animEffect transition="in" filter="fade">
+                                      <p:cBhvr>
+                                        <p:cTn id="28" dur="1000"/>
+                                        <p:tgtEl>
+                                          <p:spTgt spid="20"/>
+                                        </p:tgtEl>
+                                      </p:cBhvr>
+                                    </p:animEffect>
+                                    <p:anim calcmode="lin" valueType="num">
+                                      <p:cBhvr>
+                                        <p:cTn id="29" dur="1000" fill="hold"/>
+                                        <p:tgtEl>
+                                          <p:spTgt spid="20"/>
+                                        </p:tgtEl>
+                                        <p:attrNameLst>
+                                          <p:attrName>ppt_x</p:attrName>
+                                        </p:attrNameLst>
+                                      </p:cBhvr>
+                                      <p:tavLst>
+                                        <p:tav tm="0">
+                                          <p:val>
+                                            <p:strVal val="#ppt_x"/>
+                                          </p:val>
+                                        </p:tav>
+                                        <p:tav tm="100000">
+                                          <p:val>
+                                            <p:strVal val="#ppt_x"/>
+                                          </p:val>
+                                        </p:tav>
+                                      </p:tavLst>
+                                    </p:anim>
+                                    <p:anim calcmode="lin" valueType="num">
+                                      <p:cBhvr>
+                                        <p:cTn id="30" dur="1000" fill="hold"/>
+                                        <p:tgtEl>
+                                          <p:spTgt spid="20"/>
+                                        </p:tgtEl>
+                                        <p:attrNameLst>
+                                          <p:attrName>ppt_y</p:attrName>
+                                        </p:attrNameLst>
+                                      </p:cBhvr>
+                                      <p:tavLst>
+                                        <p:tav tm="0">
+                                          <p:val>
+                                            <p:strVal val="#ppt_y+.1"/>
+                                          </p:val>
+                                        </p:tav>
+                                        <p:tav tm="100000">
+                                          <p:val>
+                                            <p:strVal val="#ppt_y"/>
+                                          </p:val>
+                                        </p:tav>
+                                      </p:tavLst>
+                                    </p:anim>
+                                  </p:childTnLst>
+                                </p:cTn>
+                              </p:par>
+                            </p:childTnLst>
+                          </p:cTn>
+                        </p:par>
+                      </p:childTnLst>
+                    </p:cTn>
+                  </p:par>
+                </p:childTnLst>
+              </p:cTn>
+              <p:prevCondLst>
+                <p:cond evt="onPrev" delay="0">
+                  <p:tgtEl>
+                    <p:sldTgt/>
+                  </p:tgtEl>
+                </p:cond>
+              </p:prevCondLst>
+              <p:nextCondLst>
+                <p:cond evt="onNext" delay="0">
+                  <p:tgtEl>
+                    <p:sldTgt/>
+                  </p:tgtEl>
+                </p:cond>
+              </p:nextCondLst>
+            </p:seq>
+          </p:childTnLst>
+        </p:cTn>
       </p:par>
     </p:tnLst>
   </p:timing>
@@ -9012,8 +9508,8 @@
         </p:nvSpPr>
         <p:spPr>
           <a:xfrm>
-            <a:off x="3953436" y="3044280"/>
-            <a:ext cx="4285129" cy="769441"/>
+            <a:off x="3889041" y="2782338"/>
+            <a:ext cx="4778440" cy="769441"/>
           </a:xfrm>
           <a:prstGeom prst="rect">
             <a:avLst/>
@@ -9032,7 +9528,15 @@
                 <a:ea typeface="微软雅黑" panose="020B0503020204020204" pitchFamily="34" charset="-122"/>
                 <a:cs typeface="Times New Roman" panose="02020603050405020304" pitchFamily="18" charset="0"/>
               </a:rPr>
-              <a:t>程序死循环中</a:t>
+              <a:t>程序死</a:t>
+            </a:r>
+            <a:r>
+              <a:rPr lang="zh-CN" altLang="en-US" sz="4400" b="1" dirty="0" smtClean="0">
+                <a:latin typeface="Times New Roman" panose="02020603050405020304" pitchFamily="18" charset="0"/>
+                <a:ea typeface="微软雅黑" panose="020B0503020204020204" pitchFamily="34" charset="-122"/>
+                <a:cs typeface="Times New Roman" panose="02020603050405020304" pitchFamily="18" charset="0"/>
+              </a:rPr>
+              <a:t>循环中</a:t>
             </a:r>
             <a:r>
               <a:rPr lang="en-US" altLang="zh-CN" sz="4400" b="1" dirty="0">
